--- a/contents/2018-10-31-王志强/性能优化之页面渲染.pptx
+++ b/contents/2018-10-31-王志强/性能优化之页面渲染.pptx
@@ -1834,7 +1834,15 @@
           <a:p>
             <a:r>
               <a:rPr lang="zh-CN" altLang="en-US" dirty="0" smtClean="0"/>
-              <a:t>渲染树生成大概经过以下过程：</a:t>
+              <a:t>渲染树生</a:t>
+            </a:r>
+            <a:r>
+              <a:rPr lang="zh-CN" altLang="en-US" dirty="0" smtClean="0"/>
+              <a:t>成大致经</a:t>
+            </a:r>
+            <a:r>
+              <a:rPr lang="zh-CN" altLang="en-US" dirty="0" smtClean="0"/>
+              <a:t>过以下过程：</a:t>
             </a:r>
             <a:endParaRPr lang="zh-CN" altLang="en-US" dirty="0"/>
           </a:p>
@@ -1863,12 +1871,16 @@
               <a:t>从</a:t>
             </a:r>
             <a:r>
-              <a:rPr lang="en-US" altLang="zh-CN" dirty="0"/>
+              <a:rPr lang="en-US" altLang="zh-CN" dirty="0" smtClean="0"/>
               <a:t>DOM</a:t>
             </a:r>
             <a:r>
-              <a:rPr lang="zh-CN" altLang="en-US" dirty="0"/>
-              <a:t>根节点根节点开始遍历每个在</a:t>
+              <a:rPr lang="zh-CN" altLang="en-US" dirty="0" smtClean="0"/>
+              <a:t>根</a:t>
+            </a:r>
+            <a:r>
+              <a:rPr lang="zh-CN" altLang="en-US" dirty="0"/>
+              <a:t>节点开始遍历每个在</a:t>
             </a:r>
             <a:r>
               <a:rPr lang="en-US" altLang="zh-CN" dirty="0"/>
@@ -2435,8 +2447,16 @@
               <a:t>renderer</a:t>
             </a:r>
             <a:r>
-              <a:rPr lang="zh-CN" altLang="en-US" dirty="0" smtClean="0"/>
-              <a:t>？</a:t>
+              <a:rPr lang="en-US" altLang="zh-CN" dirty="0" smtClean="0"/>
+              <a:t>(</a:t>
+            </a:r>
+            <a:r>
+              <a:rPr lang="zh-CN" altLang="en-US" dirty="0" smtClean="0"/>
+              <a:t>渲染器</a:t>
+            </a:r>
+            <a:r>
+              <a:rPr lang="en-US" altLang="zh-CN" dirty="0" smtClean="0"/>
+              <a:t>)</a:t>
             </a:r>
             <a:endParaRPr lang="zh-CN" altLang="en-US" dirty="0"/>
           </a:p>
@@ -4741,7 +4761,15 @@
             </a:r>
             <a:r>
               <a:rPr lang="zh-CN" altLang="en-US" dirty="0"/>
-              <a:t>，按照算出来的规则，通过显卡，把内容画到屏幕上</a:t>
+              <a:t>，按照算出来的规则，</a:t>
+            </a:r>
+            <a:r>
+              <a:rPr lang="zh-CN" altLang="en-US" dirty="0" smtClean="0"/>
+              <a:t>通过显卡，</a:t>
+            </a:r>
+            <a:r>
+              <a:rPr lang="zh-CN" altLang="en-US" dirty="0"/>
+              <a:t>把内容画到屏幕上</a:t>
             </a:r>
           </a:p>
         </p:txBody>
@@ -6649,19 +6677,27 @@
             </a:r>
             <a:r>
               <a:rPr lang="zh-CN" altLang="en-US" dirty="0"/>
-              <a:t>运行一段通过</a:t>
-            </a:r>
-            <a:r>
-              <a:rPr lang="en-US" altLang="zh-CN" dirty="0" err="1"/>
-              <a:t>Jjavascript</a:t>
-            </a:r>
-            <a:r>
-              <a:rPr lang="en-US" altLang="zh-CN" dirty="0"/>
-              <a:t>  </a:t>
-            </a:r>
-            <a:r>
-              <a:rPr lang="zh-CN" altLang="en-US" dirty="0"/>
-              <a:t>操作元素代码的时</a:t>
+              <a:t>运行一段通</a:t>
+            </a:r>
+            <a:r>
+              <a:rPr lang="zh-CN" altLang="en-US" dirty="0" smtClean="0"/>
+              <a:t>过</a:t>
+            </a:r>
+            <a:r>
+              <a:rPr lang="en-US" altLang="zh-CN" dirty="0" err="1" smtClean="0"/>
+              <a:t>javascript</a:t>
+            </a:r>
+            <a:r>
+              <a:rPr lang="en-US" altLang="zh-CN" dirty="0" smtClean="0"/>
+              <a:t> </a:t>
+            </a:r>
+            <a:r>
+              <a:rPr lang="zh-CN" altLang="en-US" dirty="0" smtClean="0"/>
+              <a:t>来操</a:t>
+            </a:r>
+            <a:r>
+              <a:rPr lang="zh-CN" altLang="en-US" dirty="0"/>
+              <a:t>作元素代码的时</a:t>
             </a:r>
             <a:r>
               <a:rPr lang="zh-CN" altLang="en-US" dirty="0" smtClean="0"/>
@@ -8296,7 +8332,11 @@
             </a:r>
             <a:r>
               <a:rPr lang="zh-CN" altLang="en-US" dirty="0" smtClean="0"/>
-              <a:t>加载的影响</a:t>
+              <a:t>加</a:t>
+            </a:r>
+            <a:r>
+              <a:rPr lang="zh-CN" altLang="en-US" dirty="0" smtClean="0"/>
+              <a:t>载</a:t>
             </a:r>
             <a:endParaRPr lang="zh-CN" altLang="en-US" dirty="0"/>
           </a:p>
@@ -8911,12 +8951,8 @@
           <a:lstStyle/>
           <a:p>
             <a:r>
-              <a:rPr lang="en-US" altLang="zh-CN" dirty="0" err="1" smtClean="0"/>
-              <a:t>Lingk</a:t>
-            </a:r>
-            <a:r>
-              <a:rPr lang="en-US" altLang="zh-CN" dirty="0" smtClean="0"/>
-              <a:t> </a:t>
+              <a:rPr lang="en-US" altLang="zh-CN" dirty="0" smtClean="0"/>
+              <a:t>Link </a:t>
             </a:r>
             <a:r>
               <a:rPr lang="zh-CN" altLang="en-US" dirty="0" smtClean="0"/>
@@ -9659,11 +9695,19 @@
             </a:r>
             <a:r>
               <a:rPr lang="en-US" altLang="zh-CN" dirty="0"/>
-              <a:t> hint</a:t>
-            </a:r>
-            <a:r>
-              <a:rPr lang="zh-CN" altLang="en-US" dirty="0"/>
-              <a:t>规范中定义的一个功能，也就是预加</a:t>
+              <a:t> </a:t>
+            </a:r>
+            <a:r>
+              <a:rPr lang="en-US" altLang="zh-CN" dirty="0" smtClean="0"/>
+              <a:t>hints</a:t>
+            </a:r>
+            <a:r>
+              <a:rPr lang="zh-CN" altLang="en-US" dirty="0" smtClean="0"/>
+              <a:t>规</a:t>
+            </a:r>
+            <a:r>
+              <a:rPr lang="zh-CN" altLang="en-US" dirty="0"/>
+              <a:t>范中定义的一个功能，也就是预加</a:t>
             </a:r>
             <a:r>
               <a:rPr lang="zh-CN" altLang="en-US" dirty="0" smtClean="0"/>
@@ -10887,7 +10931,7 @@
         <p:spPr/>
         <p:txBody>
           <a:bodyPr>
-            <a:normAutofit fontScale="92500" lnSpcReduction="10000"/>
+            <a:normAutofit fontScale="85000" lnSpcReduction="10000"/>
           </a:bodyPr>
           <a:lstStyle/>
           <a:p>
@@ -10897,15 +10941,39 @@
             </a:r>
             <a:r>
               <a:rPr lang="zh-CN" altLang="en-US" dirty="0" smtClean="0"/>
-              <a:t>：浏览器将</a:t>
-            </a:r>
-            <a:r>
-              <a:rPr lang="en-US" altLang="zh-CN" dirty="0" smtClean="0"/>
-              <a:t>CSS</a:t>
-            </a:r>
-            <a:r>
-              <a:rPr lang="zh-CN" altLang="en-US" dirty="0" smtClean="0"/>
-              <a:t>解析成树形的数据结构</a:t>
+              <a:t>：</a:t>
+            </a:r>
+            <a:r>
+              <a:rPr lang="en-US" altLang="zh-CN" dirty="0" smtClean="0"/>
+              <a:t> CSS Object </a:t>
+            </a:r>
+            <a:r>
+              <a:rPr lang="en-US" altLang="zh-CN" dirty="0" smtClean="0"/>
+              <a:t>Model</a:t>
+            </a:r>
+            <a:r>
+              <a:rPr lang="zh-CN" altLang="en-US" dirty="0" smtClean="0"/>
+              <a:t>的简称</a:t>
+            </a:r>
+            <a:r>
+              <a:rPr lang="en-US" altLang="zh-CN" dirty="0" smtClean="0"/>
+              <a:t>, </a:t>
+            </a:r>
+            <a:r>
+              <a:rPr lang="en-US" altLang="zh-CN" dirty="0" err="1" smtClean="0"/>
+              <a:t>css</a:t>
+            </a:r>
+            <a:r>
+              <a:rPr lang="en-US" altLang="zh-CN" dirty="0" smtClean="0"/>
+              <a:t> </a:t>
+            </a:r>
+            <a:r>
+              <a:rPr lang="zh-CN" altLang="en-US" dirty="0" smtClean="0"/>
+              <a:t>对象模</a:t>
+            </a:r>
+            <a:r>
+              <a:rPr lang="zh-CN" altLang="en-US" dirty="0" smtClean="0"/>
+              <a:t>型</a:t>
             </a:r>
             <a:endParaRPr lang="zh-CN" altLang="en-US" dirty="0"/>
           </a:p>
@@ -10931,24 +10999,24 @@
               <a:t>Cssom</a:t>
             </a:r>
             <a:r>
-              <a:rPr lang="en-US" altLang="zh-CN" dirty="0"/>
-              <a:t>: CSS Object </a:t>
-            </a:r>
-            <a:r>
-              <a:rPr lang="en-US" altLang="zh-CN" dirty="0" smtClean="0"/>
-              <a:t>Model, </a:t>
-            </a:r>
-            <a:r>
-              <a:rPr lang="en-US" altLang="zh-CN" dirty="0" err="1" smtClean="0"/>
-              <a:t>css</a:t>
-            </a:r>
-            <a:r>
-              <a:rPr lang="en-US" altLang="zh-CN" dirty="0" smtClean="0"/>
-              <a:t> </a:t>
-            </a:r>
-            <a:r>
-              <a:rPr lang="zh-CN" altLang="en-US" dirty="0" smtClean="0"/>
-              <a:t>对象模型</a:t>
+              <a:rPr lang="en-US" altLang="zh-CN" dirty="0" smtClean="0"/>
+              <a:t>: </a:t>
+            </a:r>
+            <a:r>
+              <a:rPr lang="zh-CN" altLang="en-US" dirty="0" smtClean="0"/>
+              <a:t>浏</a:t>
+            </a:r>
+            <a:r>
+              <a:rPr lang="zh-CN" altLang="en-US" dirty="0"/>
+              <a:t>览器将</a:t>
+            </a:r>
+            <a:r>
+              <a:rPr lang="en-US" altLang="zh-CN" dirty="0"/>
+              <a:t>CSS</a:t>
+            </a:r>
+            <a:r>
+              <a:rPr lang="zh-CN" altLang="en-US" dirty="0"/>
+              <a:t>解析成树形的数据结构</a:t>
             </a:r>
             <a:endParaRPr lang="en-US" altLang="zh-CN" dirty="0" smtClean="0"/>
           </a:p>
